--- a/src/examples/title_and_sections/title_and_sections.pptx
+++ b/src/examples/title_and_sections/title_and_sections.pptx
@@ -2,17 +2,35 @@
 <file path=ppt/presentation.xml><?xml version="1.0" encoding="utf-8"?>
 <p:presentation xmlns:p="http://schemas.openxmlformats.org/presentationml/2006/main" showSpecialPlsOnTitleSld="0">
   <p:sldMasterIdLst>
-    <p:sldMasterId xmlns:r="http://schemas.openxmlformats.org/officeDocument/2006/relationships" id="2147483648" r:id="Ra20564193a22459b"/>
+    <p:sldMasterId xmlns:r="http://schemas.openxmlformats.org/officeDocument/2006/relationships" id="2147483648" r:id="R3bc2f3a8fcfc4df3"/>
   </p:sldMasterIdLst>
   <p:sldIdLst>
-    <p:sldId xmlns:r="http://schemas.openxmlformats.org/officeDocument/2006/relationships" id="257" r:id="R26bf25425afe4392"/>
-    <p:sldId xmlns:r="http://schemas.openxmlformats.org/officeDocument/2006/relationships" id="258" r:id="R58c9f8968aa44aee"/>
-    <p:sldId xmlns:r="http://schemas.openxmlformats.org/officeDocument/2006/relationships" id="259" r:id="Re888b8d3863c4a42"/>
-    <p:sldId xmlns:r="http://schemas.openxmlformats.org/officeDocument/2006/relationships" id="260" r:id="R88e5c98591494f82"/>
+    <p:sldId xmlns:r="http://schemas.openxmlformats.org/officeDocument/2006/relationships" id="257" r:id="R270584692c2f4e5c"/>
+    <p:sldId xmlns:r="http://schemas.openxmlformats.org/officeDocument/2006/relationships" id="258" r:id="Rbe3ae2ae780e4778"/>
+    <p:sldId xmlns:r="http://schemas.openxmlformats.org/officeDocument/2006/relationships" id="259" r:id="R622f7c9522864c6c"/>
+    <p:sldId xmlns:r="http://schemas.openxmlformats.org/officeDocument/2006/relationships" id="260" r:id="R4c2fd0c6f42d438d"/>
   </p:sldIdLst>
   <p:sldSz cx="9144000" cy="6858000" type="screen4x3"/>
   <p:notesSz cx="6858000" cy="9144000"/>
   <p:defaultTextStyle/>
+  <p:extLst>
+    <p:ext uri="{521415D9-36F7-43E2-AB2F-B90AF26B5E84}">
+      <p14:sectionLst xmlns:p14="http://schemas.microsoft.com/office/powerpoint/2010/main">
+        <p14:section name="Title slide" id="{F171F34E-282A-429D-9FDB-8EF64896D9A3}">
+          <p14:sldIdLst>
+            <p14:sldId id="257"/>
+          </p14:sldIdLst>
+        </p14:section>
+        <p14:section name="Section title" id="{CF3C8F23-6E26-430C-A9C2-8EA13E52233C}">
+          <p14:sldIdLst>
+            <p14:sldId id="258"/>
+            <p14:sldId id="259"/>
+            <p14:sldId id="260"/>
+          </p14:sldIdLst>
+        </p14:section>
+      </p14:sectionLst>
+    </p:ext>
+  </p:extLst>
 </p:presentation>
 </file>
 
@@ -265,7 +283,7 @@
             </a:lvl1pPr>
           </a:lstStyle>
           <a:p xmlns:a="http://schemas.openxmlformats.org/drawingml/2006/main">
-            <a:fld id="{DAFD18FE-5997-4113-9A2F-EB8A865E015B}" type="slidenum">
+            <a:fld id="{A1E46289-BAC7-4E6A-B2AA-496A78C413ED}" type="slidenum">
               <a:t>‹#›</a:t>
             </a:fld>
           </a:p>
@@ -373,7 +391,7 @@
             </a:lvl1pPr>
           </a:lstStyle>
           <a:p xmlns:a="http://schemas.openxmlformats.org/drawingml/2006/main">
-            <a:fld id="{DAFD18FE-5997-4113-9A2F-EB8A865E015B}" type="slidenum">
+            <a:fld id="{A1E46289-BAC7-4E6A-B2AA-496A78C413ED}" type="slidenum">
               <a:t>‹#›</a:t>
             </a:fld>
           </a:p>
@@ -383,9 +401,9 @@
   </p:cSld>
   <p:clrMap bg1="lt1" tx1="dk1" bg2="lt2" tx2="dk2" accent1="accent1" accent2="accent2" accent3="accent3" accent4="accent4" accent5="accent5" accent6="accent6" hlink="hlink" folHlink="folHlink"/>
   <p:sldLayoutIdLst>
-    <p:sldLayoutId xmlns:r="http://schemas.openxmlformats.org/officeDocument/2006/relationships" id="2147483650" r:id="R96c41e86127940f4"/>
-    <p:sldLayoutId xmlns:r="http://schemas.openxmlformats.org/officeDocument/2006/relationships" id="2147483651" r:id="R5a02fd28326a400c"/>
-    <p:sldLayoutId xmlns:r="http://schemas.openxmlformats.org/officeDocument/2006/relationships" id="2147483652" r:id="R34c9b082f0d14359"/>
+    <p:sldLayoutId xmlns:r="http://schemas.openxmlformats.org/officeDocument/2006/relationships" id="2147483650" r:id="R28de9783f2ca4038"/>
+    <p:sldLayoutId xmlns:r="http://schemas.openxmlformats.org/officeDocument/2006/relationships" id="2147483651" r:id="Rd43d4331d2c24be1"/>
+    <p:sldLayoutId xmlns:r="http://schemas.openxmlformats.org/officeDocument/2006/relationships" id="2147483652" r:id="R9a1097c5d4174ad4"/>
   </p:sldLayoutIdLst>
   <p:txStyles>
     <p:titleStyle>
@@ -773,7 +791,7 @@
             </a:lvl1pPr>
           </a:lstStyle>
           <a:p xmlns:a="http://schemas.openxmlformats.org/drawingml/2006/main">
-            <a:fld id="{DAFD18FE-5997-4113-9A2F-EB8A865E015B}" type="slidenum">
+            <a:fld id="{A1E46289-BAC7-4E6A-B2AA-496A78C413ED}" type="slidenum">
               <a:t>‹#›</a:t>
             </a:fld>
           </a:p>
@@ -830,9 +848,7 @@
         <p:cNvGrpSpPr/>
         <p:nvPr/>
       </p:nvGrpSpPr>
-      <p:grpSpPr>
-        <a:xfrm xmlns:a="http://schemas.openxmlformats.org/drawingml/2006/main"/>
-      </p:grpSpPr>
+      <p:grpSpPr/>
       <p:sp>
         <p:nvSpPr>
           <p:cNvPr id="2" name="Title"/>
@@ -840,12 +856,12 @@
             <a:spLocks xmlns:a="http://schemas.openxmlformats.org/drawingml/2006/main" noGrp="1"/>
           </p:cNvSpPr>
           <p:nvPr>
-            <p:ph type="title"/>
-          </p:nvPr>
-        </p:nvSpPr>
-        <p:spPr>
-          <a:xfrm xmlns:a="http://schemas.openxmlformats.org/drawingml/2006/main">
-            <a:off x="288000" y="288000"/>
+            <p:ph type="ctrTitle"/>
+          </p:nvPr>
+        </p:nvSpPr>
+        <p:spPr>
+          <a:xfrm xmlns:a="http://schemas.openxmlformats.org/drawingml/2006/main">
+            <a:off x="288000" y="3015000"/>
             <a:ext cx="8568000" cy="828000"/>
           </a:xfrm>
         </p:spPr>
@@ -858,48 +874,18 @@
       </p:sp>
       <p:sp>
         <p:nvSpPr>
-          <p:cNvPr id="3" name="Page Numbering"/>
-          <p:cNvSpPr>
-            <a:spLocks xmlns:a="http://schemas.openxmlformats.org/drawingml/2006/main" noGrp="1"/>
-          </p:cNvSpPr>
-          <p:nvPr>
-            <p:ph type="sldNum" idx="12"/>
-          </p:nvPr>
-        </p:nvSpPr>
-        <p:spPr>
-          <a:xfrm xmlns:a="http://schemas.openxmlformats.org/drawingml/2006/main">
-            <a:off x="8568000" y="6282000"/>
-            <a:ext cx="288000" cy="288000"/>
-          </a:xfrm>
-        </p:spPr>
-        <p:txBody>
-          <a:bodyPr xmlns:a="http://schemas.openxmlformats.org/drawingml/2006/main" wrap="none"/>
-          <a:lstStyle xmlns:a="http://schemas.openxmlformats.org/drawingml/2006/main">
-            <a:lvl1pPr algn="r">
-              <a:buNone/>
-            </a:lvl1pPr>
-          </a:lstStyle>
-          <a:p xmlns:a="http://schemas.openxmlformats.org/drawingml/2006/main">
-            <a:fld id="{DAFD18FE-5997-4113-9A2F-EB8A865E015B}" type="slidenum">
-              <a:t>‹#›</a:t>
-            </a:fld>
-          </a:p>
-        </p:txBody>
-      </p:sp>
-      <p:sp>
-        <p:nvSpPr>
-          <p:cNvPr id="4" name="Content"/>
-          <p:cNvSpPr>
-            <a:spLocks xmlns:a="http://schemas.openxmlformats.org/drawingml/2006/main" noGrp="1"/>
-          </p:cNvSpPr>
-          <p:nvPr>
-            <p:ph type="body" idx="1"/>
-          </p:nvPr>
-        </p:nvSpPr>
-        <p:spPr>
-          <a:xfrm xmlns:a="http://schemas.openxmlformats.org/drawingml/2006/main">
-            <a:off x="288000" y="1152000"/>
-            <a:ext cx="8568000" cy="5094000"/>
+          <p:cNvPr id="3" name="Subtitle"/>
+          <p:cNvSpPr>
+            <a:spLocks xmlns:a="http://schemas.openxmlformats.org/drawingml/2006/main" noGrp="1"/>
+          </p:cNvSpPr>
+          <p:nvPr>
+            <p:ph type="subTitle" idx="1"/>
+          </p:nvPr>
+        </p:nvSpPr>
+        <p:spPr>
+          <a:xfrm xmlns:a="http://schemas.openxmlformats.org/drawingml/2006/main">
+            <a:off x="288000" y="3879000"/>
+            <a:ext cx="8568000" cy="828000"/>
           </a:xfrm>
         </p:spPr>
         <p:txBody>

--- a/src/examples/title_and_sections/title_and_sections.pptx
+++ b/src/examples/title_and_sections/title_and_sections.pptx
@@ -2,13 +2,13 @@
 <file path=ppt/presentation.xml><?xml version="1.0" encoding="utf-8"?>
 <p:presentation xmlns:p="http://schemas.openxmlformats.org/presentationml/2006/main" showSpecialPlsOnTitleSld="0">
   <p:sldMasterIdLst>
-    <p:sldMasterId xmlns:r="http://schemas.openxmlformats.org/officeDocument/2006/relationships" id="2147483648" r:id="R3bc2f3a8fcfc4df3"/>
+    <p:sldMasterId xmlns:r="http://schemas.openxmlformats.org/officeDocument/2006/relationships" id="2147483648" r:id="Ra45dae9e0e904d4b"/>
   </p:sldMasterIdLst>
   <p:sldIdLst>
-    <p:sldId xmlns:r="http://schemas.openxmlformats.org/officeDocument/2006/relationships" id="257" r:id="R270584692c2f4e5c"/>
-    <p:sldId xmlns:r="http://schemas.openxmlformats.org/officeDocument/2006/relationships" id="258" r:id="Rbe3ae2ae780e4778"/>
-    <p:sldId xmlns:r="http://schemas.openxmlformats.org/officeDocument/2006/relationships" id="259" r:id="R622f7c9522864c6c"/>
-    <p:sldId xmlns:r="http://schemas.openxmlformats.org/officeDocument/2006/relationships" id="260" r:id="R4c2fd0c6f42d438d"/>
+    <p:sldId xmlns:r="http://schemas.openxmlformats.org/officeDocument/2006/relationships" id="257" r:id="Rf3927e8959a74f2a"/>
+    <p:sldId xmlns:r="http://schemas.openxmlformats.org/officeDocument/2006/relationships" id="258" r:id="Rdbf8bc5a15324f4d"/>
+    <p:sldId xmlns:r="http://schemas.openxmlformats.org/officeDocument/2006/relationships" id="259" r:id="R0900daad037f4cd4"/>
+    <p:sldId xmlns:r="http://schemas.openxmlformats.org/officeDocument/2006/relationships" id="260" r:id="Rc4286b40bf334bbf"/>
   </p:sldIdLst>
   <p:sldSz cx="9144000" cy="6858000" type="screen4x3"/>
   <p:notesSz cx="6858000" cy="9144000"/>
@@ -16,12 +16,12 @@
   <p:extLst>
     <p:ext uri="{521415D9-36F7-43E2-AB2F-B90AF26B5E84}">
       <p14:sectionLst xmlns:p14="http://schemas.microsoft.com/office/powerpoint/2010/main">
-        <p14:section name="Title slide" id="{F171F34E-282A-429D-9FDB-8EF64896D9A3}">
+        <p14:section name="Title slide" id="{97F98776-C500-4AE7-976F-123EF9C5D026}">
           <p14:sldIdLst>
             <p14:sldId id="257"/>
           </p14:sldIdLst>
         </p14:section>
-        <p14:section name="Section title" id="{CF3C8F23-6E26-430C-A9C2-8EA13E52233C}">
+        <p14:section name="Section title" id="{69A321E5-A23E-45E2-91D6-30A7296F3935}">
           <p14:sldIdLst>
             <p14:sldId id="258"/>
             <p14:sldId id="259"/>
@@ -66,6 +66,9 @@
             <a:off x="288000" y="3015000"/>
             <a:ext cx="8568000" cy="828000"/>
           </a:xfrm>
+          <a:prstGeom xmlns:a="http://schemas.openxmlformats.org/drawingml/2006/main" prst="rect">
+            <a:avLst/>
+          </a:prstGeom>
         </p:spPr>
         <p:txBody>
           <a:bodyPr xmlns:a="http://schemas.openxmlformats.org/drawingml/2006/main">
@@ -93,6 +96,9 @@
             <a:off x="288000" y="3879000"/>
             <a:ext cx="8568000" cy="828000"/>
           </a:xfrm>
+          <a:prstGeom xmlns:a="http://schemas.openxmlformats.org/drawingml/2006/main" prst="rect">
+            <a:avLst/>
+          </a:prstGeom>
         </p:spPr>
         <p:txBody>
           <a:bodyPr xmlns:a="http://schemas.openxmlformats.org/drawingml/2006/main">
@@ -142,6 +148,9 @@
             <a:off x="288000" y="3015000"/>
             <a:ext cx="8568000" cy="828000"/>
           </a:xfrm>
+          <a:prstGeom xmlns:a="http://schemas.openxmlformats.org/drawingml/2006/main" prst="rect">
+            <a:avLst/>
+          </a:prstGeom>
         </p:spPr>
         <p:txBody>
           <a:bodyPr xmlns:a="http://schemas.openxmlformats.org/drawingml/2006/main">
@@ -169,6 +178,9 @@
             <a:off x="288000" y="3879000"/>
             <a:ext cx="8568000" cy="828000"/>
           </a:xfrm>
+          <a:prstGeom xmlns:a="http://schemas.openxmlformats.org/drawingml/2006/main" prst="rect">
+            <a:avLst/>
+          </a:prstGeom>
         </p:spPr>
         <p:txBody>
           <a:bodyPr xmlns:a="http://schemas.openxmlformats.org/drawingml/2006/main">
@@ -220,6 +232,9 @@
             <a:off x="288000" y="288000"/>
             <a:ext cx="8568000" cy="828000"/>
           </a:xfrm>
+          <a:prstGeom xmlns:a="http://schemas.openxmlformats.org/drawingml/2006/main" prst="rect">
+            <a:avLst/>
+          </a:prstGeom>
         </p:spPr>
         <p:txBody>
           <a:bodyPr xmlns:a="http://schemas.openxmlformats.org/drawingml/2006/main">
@@ -247,6 +262,9 @@
             <a:off x="288000" y="1152000"/>
             <a:ext cx="8568000" cy="5094000"/>
           </a:xfrm>
+          <a:prstGeom xmlns:a="http://schemas.openxmlformats.org/drawingml/2006/main" prst="rect">
+            <a:avLst/>
+          </a:prstGeom>
         </p:spPr>
         <p:txBody>
           <a:bodyPr xmlns:a="http://schemas.openxmlformats.org/drawingml/2006/main">
@@ -274,6 +292,9 @@
             <a:off x="8568000" y="6282000"/>
             <a:ext cx="288000" cy="288000"/>
           </a:xfrm>
+          <a:prstGeom xmlns:a="http://schemas.openxmlformats.org/drawingml/2006/main" prst="rect">
+            <a:avLst/>
+          </a:prstGeom>
         </p:spPr>
         <p:txBody>
           <a:bodyPr xmlns:a="http://schemas.openxmlformats.org/drawingml/2006/main" wrap="none"/>
@@ -283,7 +304,7 @@
             </a:lvl1pPr>
           </a:lstStyle>
           <a:p xmlns:a="http://schemas.openxmlformats.org/drawingml/2006/main">
-            <a:fld id="{A1E46289-BAC7-4E6A-B2AA-496A78C413ED}" type="slidenum">
+            <a:fld id="{3FC83045-2444-491B-8B9E-40D36E9C85BA}" type="slidenum">
               <a:t>‹#›</a:t>
             </a:fld>
           </a:p>
@@ -328,6 +349,9 @@
             <a:off x="288000" y="288000"/>
             <a:ext cx="8568000" cy="828000"/>
           </a:xfrm>
+          <a:prstGeom xmlns:a="http://schemas.openxmlformats.org/drawingml/2006/main" prst="rect">
+            <a:avLst/>
+          </a:prstGeom>
         </p:spPr>
         <p:txBody>
           <a:bodyPr xmlns:a="http://schemas.openxmlformats.org/drawingml/2006/main">
@@ -355,6 +379,9 @@
             <a:off x="288000" y="1152000"/>
             <a:ext cx="8568000" cy="5094000"/>
           </a:xfrm>
+          <a:prstGeom xmlns:a="http://schemas.openxmlformats.org/drawingml/2006/main" prst="rect">
+            <a:avLst/>
+          </a:prstGeom>
         </p:spPr>
         <p:txBody>
           <a:bodyPr xmlns:a="http://schemas.openxmlformats.org/drawingml/2006/main">
@@ -382,6 +409,9 @@
             <a:off x="8568000" y="6282000"/>
             <a:ext cx="288000" cy="288000"/>
           </a:xfrm>
+          <a:prstGeom xmlns:a="http://schemas.openxmlformats.org/drawingml/2006/main" prst="rect">
+            <a:avLst/>
+          </a:prstGeom>
         </p:spPr>
         <p:txBody>
           <a:bodyPr xmlns:a="http://schemas.openxmlformats.org/drawingml/2006/main" wrap="none"/>
@@ -391,7 +421,7 @@
             </a:lvl1pPr>
           </a:lstStyle>
           <a:p xmlns:a="http://schemas.openxmlformats.org/drawingml/2006/main">
-            <a:fld id="{A1E46289-BAC7-4E6A-B2AA-496A78C413ED}" type="slidenum">
+            <a:fld id="{3FC83045-2444-491B-8B9E-40D36E9C85BA}" type="slidenum">
               <a:t>‹#›</a:t>
             </a:fld>
           </a:p>
@@ -401,9 +431,9 @@
   </p:cSld>
   <p:clrMap bg1="lt1" tx1="dk1" bg2="lt2" tx2="dk2" accent1="accent1" accent2="accent2" accent3="accent3" accent4="accent4" accent5="accent5" accent6="accent6" hlink="hlink" folHlink="folHlink"/>
   <p:sldLayoutIdLst>
-    <p:sldLayoutId xmlns:r="http://schemas.openxmlformats.org/officeDocument/2006/relationships" id="2147483650" r:id="R28de9783f2ca4038"/>
-    <p:sldLayoutId xmlns:r="http://schemas.openxmlformats.org/officeDocument/2006/relationships" id="2147483651" r:id="Rd43d4331d2c24be1"/>
-    <p:sldLayoutId xmlns:r="http://schemas.openxmlformats.org/officeDocument/2006/relationships" id="2147483652" r:id="R9a1097c5d4174ad4"/>
+    <p:sldLayoutId xmlns:r="http://schemas.openxmlformats.org/officeDocument/2006/relationships" id="2147483650" r:id="Rece411681a2741d7"/>
+    <p:sldLayoutId xmlns:r="http://schemas.openxmlformats.org/officeDocument/2006/relationships" id="2147483651" r:id="R7db8c236bda54bfb"/>
+    <p:sldLayoutId xmlns:r="http://schemas.openxmlformats.org/officeDocument/2006/relationships" id="2147483652" r:id="R9ba3a40ac1e74c31"/>
   </p:sldLayoutIdLst>
   <p:txStyles>
     <p:titleStyle>
@@ -569,6 +599,9 @@
             <a:off x="288000" y="3015000"/>
             <a:ext cx="8568000" cy="828000"/>
           </a:xfrm>
+          <a:prstGeom xmlns:a="http://schemas.openxmlformats.org/drawingml/2006/main" prst="rect">
+            <a:avLst/>
+          </a:prstGeom>
         </p:spPr>
         <p:txBody>
           <a:bodyPr xmlns:a="http://schemas.openxmlformats.org/drawingml/2006/main">
@@ -599,6 +632,9 @@
             <a:off x="288000" y="3879000"/>
             <a:ext cx="8568000" cy="828000"/>
           </a:xfrm>
+          <a:prstGeom xmlns:a="http://schemas.openxmlformats.org/drawingml/2006/main" prst="rect">
+            <a:avLst/>
+          </a:prstGeom>
         </p:spPr>
         <p:txBody>
           <a:bodyPr xmlns:a="http://schemas.openxmlformats.org/drawingml/2006/main">
@@ -651,6 +687,9 @@
             <a:off x="288000" y="3015000"/>
             <a:ext cx="8568000" cy="828000"/>
           </a:xfrm>
+          <a:prstGeom xmlns:a="http://schemas.openxmlformats.org/drawingml/2006/main" prst="rect">
+            <a:avLst/>
+          </a:prstGeom>
         </p:spPr>
         <p:txBody>
           <a:bodyPr xmlns:a="http://schemas.openxmlformats.org/drawingml/2006/main">
@@ -681,6 +720,9 @@
             <a:off x="288000" y="3879000"/>
             <a:ext cx="8568000" cy="828000"/>
           </a:xfrm>
+          <a:prstGeom xmlns:a="http://schemas.openxmlformats.org/drawingml/2006/main" prst="rect">
+            <a:avLst/>
+          </a:prstGeom>
         </p:spPr>
         <p:txBody>
           <a:bodyPr xmlns:a="http://schemas.openxmlformats.org/drawingml/2006/main">
@@ -752,6 +794,9 @@
             <a:off x="288000" y="288000"/>
             <a:ext cx="8568000" cy="828000"/>
           </a:xfrm>
+          <a:prstGeom xmlns:a="http://schemas.openxmlformats.org/drawingml/2006/main" prst="rect">
+            <a:avLst/>
+          </a:prstGeom>
         </p:spPr>
         <p:txBody>
           <a:bodyPr xmlns:a="http://schemas.openxmlformats.org/drawingml/2006/main">
@@ -782,6 +827,9 @@
             <a:off x="8568000" y="6282000"/>
             <a:ext cx="288000" cy="288000"/>
           </a:xfrm>
+          <a:prstGeom xmlns:a="http://schemas.openxmlformats.org/drawingml/2006/main" prst="rect">
+            <a:avLst/>
+          </a:prstGeom>
         </p:spPr>
         <p:txBody>
           <a:bodyPr xmlns:a="http://schemas.openxmlformats.org/drawingml/2006/main" wrap="none"/>
@@ -791,7 +839,7 @@
             </a:lvl1pPr>
           </a:lstStyle>
           <a:p xmlns:a="http://schemas.openxmlformats.org/drawingml/2006/main">
-            <a:fld id="{A1E46289-BAC7-4E6A-B2AA-496A78C413ED}" type="slidenum">
+            <a:fld id="{3FC83045-2444-491B-8B9E-40D36E9C85BA}" type="slidenum">
               <a:t>‹#›</a:t>
             </a:fld>
           </a:p>
@@ -812,6 +860,9 @@
             <a:off x="288000" y="1152000"/>
             <a:ext cx="8568000" cy="5094000"/>
           </a:xfrm>
+          <a:prstGeom xmlns:a="http://schemas.openxmlformats.org/drawingml/2006/main" prst="rect">
+            <a:avLst/>
+          </a:prstGeom>
         </p:spPr>
         <p:txBody>
           <a:bodyPr xmlns:a="http://schemas.openxmlformats.org/drawingml/2006/main">
@@ -864,6 +915,9 @@
             <a:off x="288000" y="3015000"/>
             <a:ext cx="8568000" cy="828000"/>
           </a:xfrm>
+          <a:prstGeom xmlns:a="http://schemas.openxmlformats.org/drawingml/2006/main" prst="rect">
+            <a:avLst/>
+          </a:prstGeom>
         </p:spPr>
         <p:txBody>
           <a:bodyPr xmlns:a="http://schemas.openxmlformats.org/drawingml/2006/main">
@@ -887,6 +941,9 @@
             <a:off x="288000" y="3879000"/>
             <a:ext cx="8568000" cy="828000"/>
           </a:xfrm>
+          <a:prstGeom xmlns:a="http://schemas.openxmlformats.org/drawingml/2006/main" prst="rect">
+            <a:avLst/>
+          </a:prstGeom>
         </p:spPr>
         <p:txBody>
           <a:bodyPr xmlns:a="http://schemas.openxmlformats.org/drawingml/2006/main">

--- a/src/examples/title_and_sections/title_and_sections.pptx
+++ b/src/examples/title_and_sections/title_and_sections.pptx
@@ -2,13 +2,13 @@
 <file path=ppt/presentation.xml><?xml version="1.0" encoding="utf-8"?>
 <p:presentation xmlns:p="http://schemas.openxmlformats.org/presentationml/2006/main" showSpecialPlsOnTitleSld="0">
   <p:sldMasterIdLst>
-    <p:sldMasterId xmlns:r="http://schemas.openxmlformats.org/officeDocument/2006/relationships" id="2147483648" r:id="Ra45dae9e0e904d4b"/>
+    <p:sldMasterId xmlns:r="http://schemas.openxmlformats.org/officeDocument/2006/relationships" id="2147483648" r:id="R2e0b3f13d3cb4d55"/>
   </p:sldMasterIdLst>
   <p:sldIdLst>
-    <p:sldId xmlns:r="http://schemas.openxmlformats.org/officeDocument/2006/relationships" id="257" r:id="Rf3927e8959a74f2a"/>
-    <p:sldId xmlns:r="http://schemas.openxmlformats.org/officeDocument/2006/relationships" id="258" r:id="Rdbf8bc5a15324f4d"/>
-    <p:sldId xmlns:r="http://schemas.openxmlformats.org/officeDocument/2006/relationships" id="259" r:id="R0900daad037f4cd4"/>
-    <p:sldId xmlns:r="http://schemas.openxmlformats.org/officeDocument/2006/relationships" id="260" r:id="Rc4286b40bf334bbf"/>
+    <p:sldId xmlns:r="http://schemas.openxmlformats.org/officeDocument/2006/relationships" id="257" r:id="R4d276876b95e40b7"/>
+    <p:sldId xmlns:r="http://schemas.openxmlformats.org/officeDocument/2006/relationships" id="258" r:id="Rdf6b1936e1924012"/>
+    <p:sldId xmlns:r="http://schemas.openxmlformats.org/officeDocument/2006/relationships" id="259" r:id="Rd8dc244aeecc41e4"/>
+    <p:sldId xmlns:r="http://schemas.openxmlformats.org/officeDocument/2006/relationships" id="260" r:id="R0f25e6f9ebe04687"/>
   </p:sldIdLst>
   <p:sldSz cx="9144000" cy="6858000" type="screen4x3"/>
   <p:notesSz cx="6858000" cy="9144000"/>
@@ -16,12 +16,12 @@
   <p:extLst>
     <p:ext uri="{521415D9-36F7-43E2-AB2F-B90AF26B5E84}">
       <p14:sectionLst xmlns:p14="http://schemas.microsoft.com/office/powerpoint/2010/main">
-        <p14:section name="Title slide" id="{97F98776-C500-4AE7-976F-123EF9C5D026}">
+        <p14:section name="Title slide" id="{8CB951B4-6DDC-4340-9BCF-26D582713B64}">
           <p14:sldIdLst>
             <p14:sldId id="257"/>
           </p14:sldIdLst>
         </p14:section>
-        <p14:section name="Section title" id="{69A321E5-A23E-45E2-91D6-30A7296F3935}">
+        <p14:section name="Section title" id="{06B8CDC5-AA16-4F5A-B2C7-A943696E62AB}">
           <p14:sldIdLst>
             <p14:sldId id="258"/>
             <p14:sldId id="259"/>
@@ -304,7 +304,7 @@
             </a:lvl1pPr>
           </a:lstStyle>
           <a:p xmlns:a="http://schemas.openxmlformats.org/drawingml/2006/main">
-            <a:fld id="{3FC83045-2444-491B-8B9E-40D36E9C85BA}" type="slidenum">
+            <a:fld id="{BDC8F828-C820-42A8-9005-284C4E511496}" type="slidenum">
               <a:t>‹#›</a:t>
             </a:fld>
           </a:p>
@@ -421,7 +421,7 @@
             </a:lvl1pPr>
           </a:lstStyle>
           <a:p xmlns:a="http://schemas.openxmlformats.org/drawingml/2006/main">
-            <a:fld id="{3FC83045-2444-491B-8B9E-40D36E9C85BA}" type="slidenum">
+            <a:fld id="{BDC8F828-C820-42A8-9005-284C4E511496}" type="slidenum">
               <a:t>‹#›</a:t>
             </a:fld>
           </a:p>
@@ -431,21 +431,21 @@
   </p:cSld>
   <p:clrMap bg1="lt1" tx1="dk1" bg2="lt2" tx2="dk2" accent1="accent1" accent2="accent2" accent3="accent3" accent4="accent4" accent5="accent5" accent6="accent6" hlink="hlink" folHlink="folHlink"/>
   <p:sldLayoutIdLst>
-    <p:sldLayoutId xmlns:r="http://schemas.openxmlformats.org/officeDocument/2006/relationships" id="2147483650" r:id="Rece411681a2741d7"/>
-    <p:sldLayoutId xmlns:r="http://schemas.openxmlformats.org/officeDocument/2006/relationships" id="2147483651" r:id="R7db8c236bda54bfb"/>
-    <p:sldLayoutId xmlns:r="http://schemas.openxmlformats.org/officeDocument/2006/relationships" id="2147483652" r:id="R9ba3a40ac1e74c31"/>
+    <p:sldLayoutId xmlns:r="http://schemas.openxmlformats.org/officeDocument/2006/relationships" id="2147483650" r:id="R1ab0dc91c4134361"/>
+    <p:sldLayoutId xmlns:r="http://schemas.openxmlformats.org/officeDocument/2006/relationships" id="2147483651" r:id="R1d2c2eab83354ffb"/>
+    <p:sldLayoutId xmlns:r="http://schemas.openxmlformats.org/officeDocument/2006/relationships" id="2147483652" r:id="Rc9dfb86bfafa4ec2"/>
   </p:sldLayoutIdLst>
   <p:txStyles>
     <p:titleStyle>
       <a:defPPr xmlns:a="http://schemas.openxmlformats.org/drawingml/2006/main">
-        <a:defRPr lang="ja-JP" altLang="en-US">
+        <a:defRPr lang="en-US" altLang="en-US">
           <a:solidFill>
             <a:schemeClr val="dk1"/>
           </a:solidFill>
         </a:defRPr>
       </a:defPPr>
       <a:lvl1pPr xmlns:a="http://schemas.openxmlformats.org/drawingml/2006/main">
-        <a:defRPr lang="ja-JP" altLang="en-US" sz="4400">
+        <a:defRPr lang="en-US" altLang="en-US" sz="4400">
           <a:solidFill>
             <a:schemeClr val="dk1"/>
           </a:solidFill>
@@ -457,7 +457,7 @@
     </p:titleStyle>
     <p:bodyStyle>
       <a:defPPr xmlns:a="http://schemas.openxmlformats.org/drawingml/2006/main">
-        <a:defRPr lang="ja-JP" altLang="en-US">
+        <a:defRPr lang="en-US" altLang="en-US">
           <a:solidFill>
             <a:schemeClr val="dk1"/>
           </a:solidFill>
@@ -465,7 +465,7 @@
       </a:defPPr>
       <a:lvl1pPr xmlns:a="http://schemas.openxmlformats.org/drawingml/2006/main" marL="355600" indent="-355600">
         <a:buChar char="•"/>
-        <a:defRPr lang="ja-JP" altLang="en-US" sz="2800">
+        <a:defRPr lang="en-US" altLang="en-US" sz="2800">
           <a:solidFill>
             <a:schemeClr val="dk1"/>
           </a:solidFill>
@@ -476,7 +476,7 @@
       </a:lvl1pPr>
       <a:lvl2pPr xmlns:a="http://schemas.openxmlformats.org/drawingml/2006/main" marL="660400" indent="-304800">
         <a:buChar char="⁃"/>
-        <a:defRPr lang="ja-JP" altLang="en-US" sz="2400">
+        <a:defRPr lang="en-US" altLang="en-US" sz="2400">
           <a:solidFill>
             <a:schemeClr val="dk1"/>
           </a:solidFill>
@@ -487,7 +487,7 @@
       </a:lvl2pPr>
       <a:lvl3pPr xmlns:a="http://schemas.openxmlformats.org/drawingml/2006/main" marL="914400" indent="-254000">
         <a:buChar char="*"/>
-        <a:defRPr lang="ja-JP" altLang="en-US" sz="2000">
+        <a:defRPr lang="en-US" altLang="en-US" sz="2000">
           <a:solidFill>
             <a:schemeClr val="dk1"/>
           </a:solidFill>
@@ -498,7 +498,7 @@
       </a:lvl3pPr>
       <a:lvl4pPr xmlns:a="http://schemas.openxmlformats.org/drawingml/2006/main" marL="1143000" indent="-228600">
         <a:buChar char="‣"/>
-        <a:defRPr lang="ja-JP" altLang="en-US" sz="1800">
+        <a:defRPr lang="en-US" altLang="en-US" sz="1800">
           <a:solidFill>
             <a:schemeClr val="dk1"/>
           </a:solidFill>
@@ -509,7 +509,7 @@
       </a:lvl4pPr>
       <a:lvl5pPr xmlns:a="http://schemas.openxmlformats.org/drawingml/2006/main" marL="1371600" indent="-228600">
         <a:buChar char="○"/>
-        <a:defRPr lang="ja-JP" altLang="en-US" sz="1800">
+        <a:defRPr lang="en-US" altLang="en-US" sz="1800">
           <a:solidFill>
             <a:schemeClr val="dk1"/>
           </a:solidFill>
@@ -520,7 +520,7 @@
       </a:lvl5pPr>
       <a:lvl6pPr xmlns:a="http://schemas.openxmlformats.org/drawingml/2006/main" marL="1600200" indent="-228600">
         <a:buChar char="○"/>
-        <a:defRPr lang="ja-JP" altLang="en-US" sz="1800">
+        <a:defRPr lang="en-US" altLang="en-US" sz="1800">
           <a:solidFill>
             <a:schemeClr val="dk1"/>
           </a:solidFill>
@@ -531,7 +531,7 @@
       </a:lvl6pPr>
       <a:lvl7pPr xmlns:a="http://schemas.openxmlformats.org/drawingml/2006/main" marL="1828800" indent="-228600">
         <a:buChar char="○"/>
-        <a:defRPr lang="ja-JP" altLang="en-US" sz="1800">
+        <a:defRPr lang="en-US" altLang="en-US" sz="1800">
           <a:solidFill>
             <a:schemeClr val="dk1"/>
           </a:solidFill>
@@ -542,7 +542,7 @@
       </a:lvl7pPr>
       <a:lvl8pPr xmlns:a="http://schemas.openxmlformats.org/drawingml/2006/main" marL="2057400" indent="-228600">
         <a:buChar char="○"/>
-        <a:defRPr lang="ja-JP" altLang="en-US" sz="1800">
+        <a:defRPr lang="en-US" altLang="en-US" sz="1800">
           <a:solidFill>
             <a:schemeClr val="dk1"/>
           </a:solidFill>
@@ -553,7 +553,7 @@
       </a:lvl8pPr>
       <a:lvl9pPr xmlns:a="http://schemas.openxmlformats.org/drawingml/2006/main" marL="2286000" indent="-228600">
         <a:buChar char="○"/>
-        <a:defRPr lang="ja-JP" altLang="en-US" sz="1800">
+        <a:defRPr lang="en-US" altLang="en-US" sz="1800">
           <a:solidFill>
             <a:schemeClr val="dk1"/>
           </a:solidFill>
@@ -839,7 +839,7 @@
             </a:lvl1pPr>
           </a:lstStyle>
           <a:p xmlns:a="http://schemas.openxmlformats.org/drawingml/2006/main">
-            <a:fld id="{3FC83045-2444-491B-8B9E-40D36E9C85BA}" type="slidenum">
+            <a:fld id="{BDC8F828-C820-42A8-9005-284C4E511496}" type="slidenum">
               <a:t>‹#›</a:t>
             </a:fld>
           </a:p>
@@ -899,7 +899,9 @@
         <p:cNvGrpSpPr/>
         <p:nvPr/>
       </p:nvGrpSpPr>
-      <p:grpSpPr/>
+      <p:grpSpPr>
+        <a:xfrm xmlns:a="http://schemas.openxmlformats.org/drawingml/2006/main"/>
+      </p:grpSpPr>
       <p:sp>
         <p:nvSpPr>
           <p:cNvPr id="2" name="Title"/>
@@ -907,12 +909,12 @@
             <a:spLocks xmlns:a="http://schemas.openxmlformats.org/drawingml/2006/main" noGrp="1"/>
           </p:cNvSpPr>
           <p:nvPr>
-            <p:ph type="ctrTitle"/>
-          </p:nvPr>
-        </p:nvSpPr>
-        <p:spPr>
-          <a:xfrm xmlns:a="http://schemas.openxmlformats.org/drawingml/2006/main">
-            <a:off x="288000" y="3015000"/>
+            <p:ph type="title"/>
+          </p:nvPr>
+        </p:nvSpPr>
+        <p:spPr>
+          <a:xfrm xmlns:a="http://schemas.openxmlformats.org/drawingml/2006/main">
+            <a:off x="288000" y="288000"/>
             <a:ext cx="8568000" cy="828000"/>
           </a:xfrm>
           <a:prstGeom xmlns:a="http://schemas.openxmlformats.org/drawingml/2006/main" prst="rect">
@@ -928,18 +930,51 @@
       </p:sp>
       <p:sp>
         <p:nvSpPr>
-          <p:cNvPr id="3" name="Subtitle"/>
-          <p:cNvSpPr>
-            <a:spLocks xmlns:a="http://schemas.openxmlformats.org/drawingml/2006/main" noGrp="1"/>
-          </p:cNvSpPr>
-          <p:nvPr>
-            <p:ph type="subTitle" idx="1"/>
-          </p:nvPr>
-        </p:nvSpPr>
-        <p:spPr>
-          <a:xfrm xmlns:a="http://schemas.openxmlformats.org/drawingml/2006/main">
-            <a:off x="288000" y="3879000"/>
-            <a:ext cx="8568000" cy="828000"/>
+          <p:cNvPr id="3" name="Page Numbering"/>
+          <p:cNvSpPr>
+            <a:spLocks xmlns:a="http://schemas.openxmlformats.org/drawingml/2006/main" noGrp="1"/>
+          </p:cNvSpPr>
+          <p:nvPr>
+            <p:ph type="sldNum" idx="12"/>
+          </p:nvPr>
+        </p:nvSpPr>
+        <p:spPr>
+          <a:xfrm xmlns:a="http://schemas.openxmlformats.org/drawingml/2006/main">
+            <a:off x="8568000" y="6282000"/>
+            <a:ext cx="288000" cy="288000"/>
+          </a:xfrm>
+          <a:prstGeom xmlns:a="http://schemas.openxmlformats.org/drawingml/2006/main" prst="rect">
+            <a:avLst/>
+          </a:prstGeom>
+        </p:spPr>
+        <p:txBody>
+          <a:bodyPr xmlns:a="http://schemas.openxmlformats.org/drawingml/2006/main" wrap="none"/>
+          <a:lstStyle xmlns:a="http://schemas.openxmlformats.org/drawingml/2006/main">
+            <a:lvl1pPr algn="r">
+              <a:buNone/>
+            </a:lvl1pPr>
+          </a:lstStyle>
+          <a:p xmlns:a="http://schemas.openxmlformats.org/drawingml/2006/main">
+            <a:fld id="{BDC8F828-C820-42A8-9005-284C4E511496}" type="slidenum">
+              <a:t>‹#›</a:t>
+            </a:fld>
+          </a:p>
+        </p:txBody>
+      </p:sp>
+      <p:sp>
+        <p:nvSpPr>
+          <p:cNvPr id="4" name="Content"/>
+          <p:cNvSpPr>
+            <a:spLocks xmlns:a="http://schemas.openxmlformats.org/drawingml/2006/main" noGrp="1"/>
+          </p:cNvSpPr>
+          <p:nvPr>
+            <p:ph type="body" idx="1"/>
+          </p:nvPr>
+        </p:nvSpPr>
+        <p:spPr>
+          <a:xfrm xmlns:a="http://schemas.openxmlformats.org/drawingml/2006/main">
+            <a:off x="288000" y="1152000"/>
+            <a:ext cx="8568000" cy="5094000"/>
           </a:xfrm>
           <a:prstGeom xmlns:a="http://schemas.openxmlformats.org/drawingml/2006/main" prst="rect">
             <a:avLst/>
